--- a/动态规划1.pptx
+++ b/动态规划1.pptx
@@ -267,7 +267,7 @@
           <a:p>
             <a:fld id="{2580BFD8-3EFB-4662-A6C5-0617795C5F14}" type="datetimeFigureOut">
               <a:rPr lang="zh-CN" altLang="en-US" smtClean="0"/>
-              <a:t>2020/8/27</a:t>
+              <a:t>2020/12/5</a:t>
             </a:fld>
             <a:endParaRPr lang="zh-CN" altLang="en-US"/>
           </a:p>
@@ -787,7 +787,7 @@
           <a:p>
             <a:fld id="{19CDA3ED-71EA-4841-8BBD-ABD29DF9F449}" type="datetimeFigureOut">
               <a:rPr lang="zh-CN" altLang="en-US" smtClean="0"/>
-              <a:t>2020/8/27</a:t>
+              <a:t>2020/12/5</a:t>
             </a:fld>
             <a:endParaRPr lang="zh-CN" altLang="en-US"/>
           </a:p>
@@ -1003,7 +1003,7 @@
           <a:p>
             <a:fld id="{19CDA3ED-71EA-4841-8BBD-ABD29DF9F449}" type="datetimeFigureOut">
               <a:rPr lang="zh-CN" altLang="en-US" smtClean="0"/>
-              <a:t>2020/8/27</a:t>
+              <a:t>2020/12/5</a:t>
             </a:fld>
             <a:endParaRPr lang="zh-CN" altLang="en-US"/>
           </a:p>
@@ -4821,7 +4821,7 @@
           <a:p>
             <a:fld id="{19CDA3ED-71EA-4841-8BBD-ABD29DF9F449}" type="datetimeFigureOut">
               <a:rPr lang="zh-CN" altLang="en-US" smtClean="0"/>
-              <a:t>2020/8/27</a:t>
+              <a:t>2020/12/5</a:t>
             </a:fld>
             <a:endParaRPr lang="zh-CN" altLang="en-US"/>
           </a:p>
@@ -4948,7 +4948,7 @@
           <a:p>
             <a:fld id="{19CDA3ED-71EA-4841-8BBD-ABD29DF9F449}" type="datetimeFigureOut">
               <a:rPr lang="zh-CN" altLang="en-US" smtClean="0"/>
-              <a:t>2020/8/27</a:t>
+              <a:t>2020/12/5</a:t>
             </a:fld>
             <a:endParaRPr lang="zh-CN" altLang="en-US"/>
           </a:p>
@@ -5264,7 +5264,7 @@
           <a:p>
             <a:fld id="{19CDA3ED-71EA-4841-8BBD-ABD29DF9F449}" type="datetimeFigureOut">
               <a:rPr lang="zh-CN" altLang="en-US" smtClean="0"/>
-              <a:t>2020/8/27</a:t>
+              <a:t>2020/12/5</a:t>
             </a:fld>
             <a:endParaRPr lang="zh-CN" altLang="en-US"/>
           </a:p>
@@ -5557,7 +5557,7 @@
           <a:p>
             <a:fld id="{19CDA3ED-71EA-4841-8BBD-ABD29DF9F449}" type="datetimeFigureOut">
               <a:rPr lang="zh-CN" altLang="en-US" smtClean="0"/>
-              <a:t>2020/8/27</a:t>
+              <a:t>2020/12/5</a:t>
             </a:fld>
             <a:endParaRPr lang="zh-CN" altLang="en-US"/>
           </a:p>
@@ -9276,7 +9276,7 @@
         <p:spPr>
           <a:xfrm>
             <a:off x="887506" y="1425387"/>
-            <a:ext cx="9614648" cy="1815882"/>
+            <a:ext cx="9614648" cy="2677656"/>
           </a:xfrm>
           <a:prstGeom prst="rect">
             <a:avLst/>
@@ -9341,8 +9341,15 @@
             </a:r>
             <a:r>
               <a:rPr lang="zh-CN" altLang="en-US" sz="2800" dirty="0"/>
-              <a:t>。求解将哪些物品装入背包可使这些物品的费用总和不超过背包容量，且价值总和最大。 </a:t>
-            </a:r>
+              <a:t>。求解将哪些物品装入背包可使这些物品的费用总和不超过背包容量，且价值总和最大。</a:t>
+            </a:r>
+            <a:endParaRPr lang="en-US" altLang="zh-CN" sz="2800" dirty="0"/>
+          </a:p>
+          <a:p>
+            <a:endParaRPr lang="en-US" altLang="zh-CN" sz="2800" dirty="0"/>
+          </a:p>
+          <a:p>
+            <a:endParaRPr lang="en-US" altLang="zh-CN" sz="2800" dirty="0"/>
           </a:p>
         </p:txBody>
       </p:sp>
